--- a/00-introduction/introduction-slides.pptx
+++ b/00-introduction/introduction-slides.pptx
@@ -145,7 +145,7 @@
       </p15:sldGuideLst>
     </p:ext>
     <p:ext uri="GoogleSlidesCustomDataVersion2">
-      <go:slidesCustomData xmlns:go="http://customooxmlschemas.google.com/" xmlns:ahyp="http://schemas.microsoft.com/office/drawing/2018/hyperlinkcolor" xmlns:p15="http://schemas.microsoft.com/office/powerpoint/2012/main" xmlns:p14="http://schemas.microsoft.com/office/powerpoint/2010/main" xmlns:com="http://schemas.openxmlformats.org/drawingml/2006/compatibility" xmlns:pvml="urn:schemas-microsoft-com:office:powerpoint" xmlns:v="urn:schemas-microsoft-com:vml" xmlns:o="urn:schemas-microsoft-com:office:office" xmlns:dgm="http://schemas.openxmlformats.org/drawingml/2006/diagram" xmlns:c="http://schemas.openxmlformats.org/drawingml/2006/chart" xmlns:mv="urn:schemas-microsoft-com:mac:vml" xmlns:mc="http://schemas.openxmlformats.org/markup-compatibility/2006" xmlns="" r:id="rId31" roundtripDataSignature="AMtx7mgec6XkJrYLMqIfmNf7DzA/BRS6YA=="/>
+      <go:slidesCustomData xmlns="" xmlns:mc="http://schemas.openxmlformats.org/markup-compatibility/2006" xmlns:mv="urn:schemas-microsoft-com:mac:vml" xmlns:c="http://schemas.openxmlformats.org/drawingml/2006/chart" xmlns:dgm="http://schemas.openxmlformats.org/drawingml/2006/diagram" xmlns:o="urn:schemas-microsoft-com:office:office" xmlns:v="urn:schemas-microsoft-com:vml" xmlns:pvml="urn:schemas-microsoft-com:office:powerpoint" xmlns:com="http://schemas.openxmlformats.org/drawingml/2006/compatibility" xmlns:p14="http://schemas.microsoft.com/office/powerpoint/2010/main" xmlns:p15="http://schemas.microsoft.com/office/powerpoint/2012/main" xmlns:ahyp="http://schemas.microsoft.com/office/drawing/2018/hyperlinkcolor" xmlns:go="http://customooxmlschemas.google.com/" r:id="rId31" roundtripDataSignature="AMtx7mgec6XkJrYLMqIfmNf7DzA/BRS6YA=="/>
     </p:ext>
   </p:extLst>
 </p:presentation>
@@ -10468,7 +10468,7 @@
         <p:fade/>
       </p:transition>
     </mc:Choice>
-    <mc:Fallback xmlns:ahyp="http://schemas.microsoft.com/office/drawing/2018/hyperlinkcolor" xmlns:p15="http://schemas.microsoft.com/office/powerpoint/2012/main" xmlns:com="http://schemas.openxmlformats.org/drawingml/2006/compatibility" xmlns:pvml="urn:schemas-microsoft-com:office:powerpoint" xmlns:v="urn:schemas-microsoft-com:vml" xmlns:o="urn:schemas-microsoft-com:office:office" xmlns:dgm="http://schemas.openxmlformats.org/drawingml/2006/diagram" xmlns:c="http://schemas.openxmlformats.org/drawingml/2006/chart" xmlns:mv="urn:schemas-microsoft-com:mac:vml" xmlns="">
+    <mc:Fallback xmlns="" xmlns:mv="urn:schemas-microsoft-com:mac:vml" xmlns:c="http://schemas.openxmlformats.org/drawingml/2006/chart" xmlns:dgm="http://schemas.openxmlformats.org/drawingml/2006/diagram" xmlns:o="urn:schemas-microsoft-com:office:office" xmlns:v="urn:schemas-microsoft-com:vml" xmlns:pvml="urn:schemas-microsoft-com:office:powerpoint" xmlns:com="http://schemas.openxmlformats.org/drawingml/2006/compatibility" xmlns:p15="http://schemas.microsoft.com/office/powerpoint/2012/main" xmlns:ahyp="http://schemas.microsoft.com/office/drawing/2018/hyperlinkcolor">
       <p:transition spd="slow">
         <p:fade/>
       </p:transition>
@@ -11560,13 +11560,13 @@
   <p:clrMapOvr>
     <a:masterClrMapping/>
   </p:clrMapOvr>
-  <mc:AlternateContent xmlns:mc="http://schemas.openxmlformats.org/markup-compatibility/2006">
-    <mc:Choice xmlns:p14="http://schemas.microsoft.com/office/powerpoint/2010/main" Requires="p14">
+  <mc:AlternateContent xmlns:mc="http://schemas.openxmlformats.org/markup-compatibility/2006" xmlns:p14="http://schemas.microsoft.com/office/powerpoint/2010/main">
+    <mc:Choice Requires="p14">
       <p:transition spd="med" p14:dur="700">
         <p:fade/>
       </p:transition>
     </mc:Choice>
-    <mc:Fallback>
+    <mc:Fallback xmlns="">
       <p:transition spd="med">
         <p:fade/>
       </p:transition>
@@ -12146,13 +12146,13 @@
   <p:clrMapOvr>
     <a:masterClrMapping/>
   </p:clrMapOvr>
-  <mc:AlternateContent xmlns:mc="http://schemas.openxmlformats.org/markup-compatibility/2006">
-    <mc:Choice xmlns:p14="http://schemas.microsoft.com/office/powerpoint/2010/main" Requires="p14">
+  <mc:AlternateContent xmlns:mc="http://schemas.openxmlformats.org/markup-compatibility/2006" xmlns:p14="http://schemas.microsoft.com/office/powerpoint/2010/main">
+    <mc:Choice Requires="p14">
       <p:transition spd="med" p14:dur="700">
         <p:fade/>
       </p:transition>
     </mc:Choice>
-    <mc:Fallback>
+    <mc:Fallback xmlns="">
       <p:transition spd="med">
         <p:fade/>
       </p:transition>
@@ -12797,13 +12797,13 @@
   <p:clrMapOvr>
     <a:masterClrMapping/>
   </p:clrMapOvr>
-  <mc:AlternateContent xmlns:mc="http://schemas.openxmlformats.org/markup-compatibility/2006">
-    <mc:Choice xmlns:p14="http://schemas.microsoft.com/office/powerpoint/2010/main" Requires="p14">
+  <mc:AlternateContent xmlns:mc="http://schemas.openxmlformats.org/markup-compatibility/2006" xmlns:p14="http://schemas.microsoft.com/office/powerpoint/2010/main">
+    <mc:Choice Requires="p14">
       <p:transition spd="med" p14:dur="700">
         <p:fade/>
       </p:transition>
     </mc:Choice>
-    <mc:Fallback>
+    <mc:Fallback xmlns="">
       <p:transition spd="med">
         <p:fade/>
       </p:transition>
@@ -13255,7 +13255,7 @@
         <p:spPr>
           <a:xfrm>
             <a:off x="1940312" y="1394938"/>
-            <a:ext cx="16042888" cy="6463308"/>
+            <a:ext cx="16042888" cy="9048631"/>
           </a:xfrm>
           <a:prstGeom prst="rect">
             <a:avLst/>
@@ -13475,7 +13475,29 @@
                 <a:cs typeface="Calibri" panose="020F0502020204030204" pitchFamily="34" charset="0"/>
                 <a:sym typeface="Arial"/>
               </a:rPr>
-              <a:t>אלגוריתמים "בלי הגבלת הכלליות" (</a:t>
+              <a:t>אלגוריתמים "</a:t>
+            </a:r>
+            <a:r>
+              <a:rPr lang="he-IL" sz="6000" b="1">
+                <a:solidFill>
+                  <a:srgbClr val="081D3F"/>
+                </a:solidFill>
+                <a:latin typeface="Calibri" panose="020F0502020204030204" pitchFamily="34" charset="0"/>
+                <a:cs typeface="Calibri" panose="020F0502020204030204" pitchFamily="34" charset="0"/>
+                <a:sym typeface="Arial"/>
+              </a:rPr>
+              <a:t>בלי הגבלת הכלליות</a:t>
+            </a:r>
+            <a:r>
+              <a:rPr lang="he-IL" sz="6000">
+                <a:solidFill>
+                  <a:srgbClr val="081D3F"/>
+                </a:solidFill>
+                <a:latin typeface="Calibri" panose="020F0502020204030204" pitchFamily="34" charset="0"/>
+                <a:cs typeface="Calibri" panose="020F0502020204030204" pitchFamily="34" charset="0"/>
+                <a:sym typeface="Arial"/>
+              </a:rPr>
+              <a:t>" (</a:t>
             </a:r>
             <a:r>
               <a:rPr lang="he-IL" sz="6000">
@@ -13500,6 +13522,77 @@
               </a:rPr>
               <a:t>);</a:t>
             </a:r>
+          </a:p>
+          <a:p>
+            <a:pPr marL="1143000" indent="-1143000" algn="r" rtl="1">
+              <a:lnSpc>
+                <a:spcPct val="140000"/>
+              </a:lnSpc>
+              <a:buFont typeface="+mj-lt"/>
+              <a:buAutoNum type="arabicPeriod"/>
+            </a:pPr>
+            <a:r>
+              <a:rPr lang="he-IL" sz="6000" b="1">
+                <a:solidFill>
+                  <a:srgbClr val="081D3F"/>
+                </a:solidFill>
+                <a:latin typeface="Calibri" panose="020F0502020204030204" pitchFamily="34" charset="0"/>
+                <a:cs typeface="Calibri" panose="020F0502020204030204" pitchFamily="34" charset="0"/>
+                <a:sym typeface="Arial"/>
+              </a:rPr>
+              <a:t>שגיאות-כתיב ובאגים</a:t>
+            </a:r>
+            <a:r>
+              <a:rPr lang="he-IL" sz="6000">
+                <a:solidFill>
+                  <a:srgbClr val="081D3F"/>
+                </a:solidFill>
+                <a:latin typeface="Calibri" panose="020F0502020204030204" pitchFamily="34" charset="0"/>
+                <a:cs typeface="Calibri" panose="020F0502020204030204" pitchFamily="34" charset="0"/>
+                <a:sym typeface="Arial"/>
+              </a:rPr>
+              <a:t> באלגוריתמים (</a:t>
+            </a:r>
+            <a:r>
+              <a:rPr lang="he-IL" sz="6000">
+                <a:solidFill>
+                  <a:srgbClr val="081D3F"/>
+                </a:solidFill>
+                <a:latin typeface="Calibri" panose="020F0502020204030204" pitchFamily="34" charset="0"/>
+                <a:cs typeface="Calibri" panose="020F0502020204030204" pitchFamily="34" charset="0"/>
+                <a:sym typeface="Arial"/>
+                <a:hlinkClick r:id="rId7" action="ppaction://hlinkfile"/>
+              </a:rPr>
+              <a:t>דוגמה</a:t>
+            </a:r>
+            <a:r>
+              <a:rPr lang="he-IL" sz="6000">
+                <a:solidFill>
+                  <a:srgbClr val="081D3F"/>
+                </a:solidFill>
+                <a:latin typeface="Calibri" panose="020F0502020204030204" pitchFamily="34" charset="0"/>
+                <a:cs typeface="Calibri" panose="020F0502020204030204" pitchFamily="34" charset="0"/>
+                <a:sym typeface="Arial"/>
+              </a:rPr>
+              <a:t>);</a:t>
+            </a:r>
+          </a:p>
+          <a:p>
+            <a:pPr marL="1143000" indent="-1143000" algn="r" rtl="1">
+              <a:lnSpc>
+                <a:spcPct val="140000"/>
+              </a:lnSpc>
+              <a:buFont typeface="+mj-lt"/>
+              <a:buAutoNum type="arabicPeriod"/>
+            </a:pPr>
+            <a:endParaRPr lang="he-IL" sz="6000">
+              <a:solidFill>
+                <a:srgbClr val="081D3F"/>
+              </a:solidFill>
+              <a:latin typeface="Calibri" panose="020F0502020204030204" pitchFamily="34" charset="0"/>
+              <a:cs typeface="Calibri" panose="020F0502020204030204" pitchFamily="34" charset="0"/>
+              <a:sym typeface="Arial"/>
+            </a:endParaRPr>
           </a:p>
         </p:txBody>
       </p:sp>
@@ -13513,13 +13606,13 @@
   <p:clrMapOvr>
     <a:masterClrMapping/>
   </p:clrMapOvr>
-  <mc:AlternateContent xmlns:mc="http://schemas.openxmlformats.org/markup-compatibility/2006">
-    <mc:Choice xmlns:p14="http://schemas.microsoft.com/office/powerpoint/2010/main" Requires="p14">
+  <mc:AlternateContent xmlns:mc="http://schemas.openxmlformats.org/markup-compatibility/2006" xmlns:p14="http://schemas.microsoft.com/office/powerpoint/2010/main">
+    <mc:Choice Requires="p14">
       <p:transition spd="med" p14:dur="700">
         <p:fade/>
       </p:transition>
     </mc:Choice>
-    <mc:Fallback>
+    <mc:Fallback xmlns="">
       <p:transition spd="med">
         <p:fade/>
       </p:transition>
@@ -13778,6 +13871,55 @@
                       </p:childTnLst>
                     </p:cTn>
                   </p:par>
+                  <p:par>
+                    <p:cTn id="23" fill="hold">
+                      <p:stCondLst>
+                        <p:cond delay="indefinite"/>
+                      </p:stCondLst>
+                      <p:childTnLst>
+                        <p:par>
+                          <p:cTn id="24" fill="hold">
+                            <p:stCondLst>
+                              <p:cond delay="0"/>
+                            </p:stCondLst>
+                            <p:childTnLst>
+                              <p:par>
+                                <p:cTn id="25" presetID="1" presetClass="entr" presetSubtype="0" fill="hold" nodeType="clickEffect">
+                                  <p:stCondLst>
+                                    <p:cond delay="0"/>
+                                  </p:stCondLst>
+                                  <p:childTnLst>
+                                    <p:set>
+                                      <p:cBhvr>
+                                        <p:cTn id="26" dur="1" fill="hold">
+                                          <p:stCondLst>
+                                            <p:cond delay="0"/>
+                                          </p:stCondLst>
+                                        </p:cTn>
+                                        <p:tgtEl>
+                                          <p:spTgt spid="3">
+                                            <p:txEl>
+                                              <p:pRg st="5" end="5"/>
+                                            </p:txEl>
+                                          </p:spTgt>
+                                        </p:tgtEl>
+                                        <p:attrNameLst>
+                                          <p:attrName>style.visibility</p:attrName>
+                                        </p:attrNameLst>
+                                      </p:cBhvr>
+                                      <p:to>
+                                        <p:strVal val="visible"/>
+                                      </p:to>
+                                    </p:set>
+                                  </p:childTnLst>
+                                </p:cTn>
+                              </p:par>
+                            </p:childTnLst>
+                          </p:cTn>
+                        </p:par>
+                      </p:childTnLst>
+                    </p:cTn>
+                  </p:par>
                 </p:childTnLst>
               </p:cTn>
               <p:prevCondLst>
@@ -14025,7 +14167,7 @@
         <p:fade/>
       </p:transition>
     </mc:Choice>
-    <mc:Fallback xmlns:ahyp="http://schemas.microsoft.com/office/drawing/2018/hyperlinkcolor" xmlns:p15="http://schemas.microsoft.com/office/powerpoint/2012/main" xmlns:com="http://schemas.openxmlformats.org/drawingml/2006/compatibility" xmlns:pvml="urn:schemas-microsoft-com:office:powerpoint" xmlns:v="urn:schemas-microsoft-com:vml" xmlns:o="urn:schemas-microsoft-com:office:office" xmlns:dgm="http://schemas.openxmlformats.org/drawingml/2006/diagram" xmlns:c="http://schemas.openxmlformats.org/drawingml/2006/chart" xmlns:mv="urn:schemas-microsoft-com:mac:vml" xmlns="">
+    <mc:Fallback xmlns="" xmlns:mv="urn:schemas-microsoft-com:mac:vml" xmlns:c="http://schemas.openxmlformats.org/drawingml/2006/chart" xmlns:dgm="http://schemas.openxmlformats.org/drawingml/2006/diagram" xmlns:o="urn:schemas-microsoft-com:office:office" xmlns:v="urn:schemas-microsoft-com:vml" xmlns:pvml="urn:schemas-microsoft-com:office:powerpoint" xmlns:com="http://schemas.openxmlformats.org/drawingml/2006/compatibility" xmlns:p15="http://schemas.microsoft.com/office/powerpoint/2012/main" xmlns:ahyp="http://schemas.microsoft.com/office/drawing/2018/hyperlinkcolor">
       <p:transition spd="slow">
         <p:fade/>
       </p:transition>
@@ -15502,7 +15644,7 @@
         <p:fade/>
       </p:transition>
     </mc:Choice>
-    <mc:Fallback xmlns:ahyp="http://schemas.microsoft.com/office/drawing/2018/hyperlinkcolor" xmlns:p15="http://schemas.microsoft.com/office/powerpoint/2012/main" xmlns:com="http://schemas.openxmlformats.org/drawingml/2006/compatibility" xmlns:pvml="urn:schemas-microsoft-com:office:powerpoint" xmlns:v="urn:schemas-microsoft-com:vml" xmlns:o="urn:schemas-microsoft-com:office:office" xmlns:dgm="http://schemas.openxmlformats.org/drawingml/2006/diagram" xmlns:c="http://schemas.openxmlformats.org/drawingml/2006/chart" xmlns:mv="urn:schemas-microsoft-com:mac:vml" xmlns="">
+    <mc:Fallback xmlns="" xmlns:mv="urn:schemas-microsoft-com:mac:vml" xmlns:c="http://schemas.openxmlformats.org/drawingml/2006/chart" xmlns:dgm="http://schemas.openxmlformats.org/drawingml/2006/diagram" xmlns:o="urn:schemas-microsoft-com:office:office" xmlns:v="urn:schemas-microsoft-com:vml" xmlns:pvml="urn:schemas-microsoft-com:office:powerpoint" xmlns:com="http://schemas.openxmlformats.org/drawingml/2006/compatibility" xmlns:p15="http://schemas.microsoft.com/office/powerpoint/2012/main" xmlns:ahyp="http://schemas.microsoft.com/office/drawing/2018/hyperlinkcolor">
       <p:transition spd="slow">
         <p:fade/>
       </p:transition>
@@ -15952,7 +16094,7 @@
         <p:fade/>
       </p:transition>
     </mc:Choice>
-    <mc:Fallback xmlns:ahyp="http://schemas.microsoft.com/office/drawing/2018/hyperlinkcolor" xmlns:p15="http://schemas.microsoft.com/office/powerpoint/2012/main" xmlns:com="http://schemas.openxmlformats.org/drawingml/2006/compatibility" xmlns:pvml="urn:schemas-microsoft-com:office:powerpoint" xmlns:v="urn:schemas-microsoft-com:vml" xmlns:o="urn:schemas-microsoft-com:office:office" xmlns:dgm="http://schemas.openxmlformats.org/drawingml/2006/diagram" xmlns:c="http://schemas.openxmlformats.org/drawingml/2006/chart" xmlns:mv="urn:schemas-microsoft-com:mac:vml" xmlns="">
+    <mc:Fallback xmlns="" xmlns:mv="urn:schemas-microsoft-com:mac:vml" xmlns:c="http://schemas.openxmlformats.org/drawingml/2006/chart" xmlns:dgm="http://schemas.openxmlformats.org/drawingml/2006/diagram" xmlns:o="urn:schemas-microsoft-com:office:office" xmlns:v="urn:schemas-microsoft-com:vml" xmlns:pvml="urn:schemas-microsoft-com:office:powerpoint" xmlns:com="http://schemas.openxmlformats.org/drawingml/2006/compatibility" xmlns:p15="http://schemas.microsoft.com/office/powerpoint/2012/main" xmlns:ahyp="http://schemas.microsoft.com/office/drawing/2018/hyperlinkcolor">
       <p:transition spd="slow">
         <p:fade/>
       </p:transition>
